--- a/examples/mini_ebank.pptx
+++ b/examples/mini_ebank.pptx
@@ -5,19 +5,18 @@
     <p:sldMasterId id="2147484709" r:id="rId1"/>
   </p:sldMasterIdLst>
   <p:notesMasterIdLst>
-    <p:notesMasterId r:id="rId9"/>
+    <p:notesMasterId r:id="rId8"/>
   </p:notesMasterIdLst>
   <p:handoutMasterIdLst>
-    <p:handoutMasterId r:id="rId10"/>
+    <p:handoutMasterId r:id="rId9"/>
   </p:handoutMasterIdLst>
   <p:sldIdLst>
     <p:sldId id="2142532237" r:id="rId2"/>
-    <p:sldId id="2142532373" r:id="rId3"/>
-    <p:sldId id="2142532330" r:id="rId4"/>
-    <p:sldId id="2142532374" r:id="rId5"/>
-    <p:sldId id="2142532375" r:id="rId6"/>
-    <p:sldId id="2142532376" r:id="rId7"/>
-    <p:sldId id="2142532372" r:id="rId8"/>
+    <p:sldId id="2142532330" r:id="rId3"/>
+    <p:sldId id="2142532374" r:id="rId4"/>
+    <p:sldId id="2142532375" r:id="rId5"/>
+    <p:sldId id="2142532376" r:id="rId6"/>
+    <p:sldId id="2142532372" r:id="rId7"/>
   </p:sldIdLst>
   <p:sldSz cx="12188825" cy="6858000"/>
   <p:notesSz cx="7010400" cy="9236075"/>
@@ -25997,98 +25996,6 @@
       </p:grpSpPr>
       <p:sp>
         <p:nvSpPr>
-          <p:cNvPr id="2" name="Title 1">
-            <a:extLst>
-              <a:ext uri="{FF2B5EF4-FFF2-40B4-BE49-F238E27FC236}">
-                <a16:creationId xmlns:a16="http://schemas.microsoft.com/office/drawing/2014/main" id="{2C257557-0CD1-981F-A4FE-C75331FBCCBB}"/>
-              </a:ext>
-            </a:extLst>
-          </p:cNvPr>
-          <p:cNvSpPr>
-            <a:spLocks noGrp="1"/>
-          </p:cNvSpPr>
-          <p:nvPr>
-            <p:ph type="title"/>
-          </p:nvPr>
-        </p:nvSpPr>
-        <p:spPr/>
-        <p:txBody>
-          <a:bodyPr/>
-          <a:lstStyle/>
-          <a:p>
-            <a:endParaRPr lang="en-FR"/>
-          </a:p>
-        </p:txBody>
-      </p:sp>
-      <p:sp>
-        <p:nvSpPr>
-          <p:cNvPr id="3" name="Text Placeholder 2">
-            <a:extLst>
-              <a:ext uri="{FF2B5EF4-FFF2-40B4-BE49-F238E27FC236}">
-                <a16:creationId xmlns:a16="http://schemas.microsoft.com/office/drawing/2014/main" id="{44D44082-488B-1361-DC16-87EA68CE1B7B}"/>
-              </a:ext>
-            </a:extLst>
-          </p:cNvPr>
-          <p:cNvSpPr>
-            <a:spLocks noGrp="1"/>
-          </p:cNvSpPr>
-          <p:nvPr>
-            <p:ph type="body" sz="quarter" idx="10"/>
-          </p:nvPr>
-        </p:nvSpPr>
-        <p:spPr/>
-        <p:txBody>
-          <a:bodyPr/>
-          <a:lstStyle/>
-          <a:p>
-            <a:endParaRPr lang="en-FR"/>
-          </a:p>
-        </p:txBody>
-      </p:sp>
-    </p:spTree>
-    <p:extLst>
-      <p:ext uri="{BB962C8B-B14F-4D97-AF65-F5344CB8AC3E}">
-        <p14:creationId xmlns:p14="http://schemas.microsoft.com/office/powerpoint/2010/main" val="1720947079"/>
-      </p:ext>
-    </p:extLst>
-  </p:cSld>
-  <p:clrMapOvr>
-    <a:masterClrMapping/>
-  </p:clrMapOvr>
-  <mc:AlternateContent xmlns:mc="http://schemas.openxmlformats.org/markup-compatibility/2006" xmlns:p14="http://schemas.microsoft.com/office/powerpoint/2010/main">
-    <mc:Choice Requires="p14">
-      <p:transition spd="med" p14:dur="600">
-        <p:fade/>
-      </p:transition>
-    </mc:Choice>
-    <mc:Fallback xmlns="">
-      <p:transition spd="med">
-        <p:fade/>
-      </p:transition>
-    </mc:Fallback>
-  </mc:AlternateContent>
-</p:sld>
-</file>
-
-<file path=ppt/slides/slide3.xml><?xml version="1.0" encoding="utf-8"?>
-<p:sld xmlns:a="http://schemas.openxmlformats.org/drawingml/2006/main" xmlns:r="http://schemas.openxmlformats.org/officeDocument/2006/relationships" xmlns:p="http://schemas.openxmlformats.org/presentationml/2006/main">
-  <p:cSld>
-    <p:spTree>
-      <p:nvGrpSpPr>
-        <p:cNvPr id="1" name=""/>
-        <p:cNvGrpSpPr/>
-        <p:nvPr/>
-      </p:nvGrpSpPr>
-      <p:grpSpPr>
-        <a:xfrm>
-          <a:off x="0" y="0"/>
-          <a:ext cx="0" cy="0"/>
-          <a:chOff x="0" y="0"/>
-          <a:chExt cx="0" cy="0"/>
-        </a:xfrm>
-      </p:grpSpPr>
-      <p:sp>
-        <p:nvSpPr>
           <p:cNvPr id="8" name="Rounded Rectangle 7">
             <a:extLst>
               <a:ext uri="{FF2B5EF4-FFF2-40B4-BE49-F238E27FC236}">
@@ -26261,8 +26168,8 @@
         </p:nvCxnSpPr>
         <p:spPr>
           <a:xfrm rot="5400000">
-            <a:off x="6731233" y="216612"/>
-            <a:ext cx="792339" cy="2192156"/>
+            <a:off x="6738907" y="208938"/>
+            <a:ext cx="776991" cy="2192156"/>
           </a:xfrm>
           <a:prstGeom prst="bentConnector3">
             <a:avLst/>
@@ -26303,7 +26210,7 @@
         </p:nvSpPr>
         <p:spPr>
           <a:xfrm>
-            <a:off x="5150350" y="1708860"/>
+            <a:off x="5150350" y="1693512"/>
             <a:ext cx="1761948" cy="376368"/>
           </a:xfrm>
           <a:prstGeom prst="roundRect">
@@ -26355,7 +26262,7 @@
         </p:nvSpPr>
         <p:spPr>
           <a:xfrm>
-            <a:off x="433029" y="2777636"/>
+            <a:off x="205429" y="2814020"/>
             <a:ext cx="1761948" cy="376368"/>
           </a:xfrm>
           <a:prstGeom prst="roundRect">
@@ -26407,7 +26314,7 @@
         </p:nvSpPr>
         <p:spPr>
           <a:xfrm>
-            <a:off x="5548980" y="5333326"/>
+            <a:off x="5213438" y="5753294"/>
             <a:ext cx="1761948" cy="376368"/>
           </a:xfrm>
           <a:prstGeom prst="roundRect">
@@ -26463,8 +26370,8 @@
         </p:nvCxnSpPr>
         <p:spPr>
           <a:xfrm rot="5400000">
-            <a:off x="5641714" y="1319250"/>
-            <a:ext cx="779220" cy="12700"/>
+            <a:off x="5649388" y="1311576"/>
+            <a:ext cx="763872" cy="12700"/>
           </a:xfrm>
           <a:prstGeom prst="bentConnector3">
             <a:avLst>
@@ -26511,8 +26418,8 @@
         </p:nvCxnSpPr>
         <p:spPr>
           <a:xfrm rot="16200000" flipH="1">
-            <a:off x="4545636" y="223172"/>
-            <a:ext cx="779220" cy="2192155"/>
+            <a:off x="4553310" y="215498"/>
+            <a:ext cx="763872" cy="2192155"/>
           </a:xfrm>
           <a:prstGeom prst="bentConnector3">
             <a:avLst>
@@ -26559,8 +26466,8 @@
         </p:nvCxnSpPr>
         <p:spPr>
           <a:xfrm rot="5400000">
-            <a:off x="3326460" y="72772"/>
-            <a:ext cx="692408" cy="4717321"/>
+            <a:off x="3186794" y="-30510"/>
+            <a:ext cx="744140" cy="4944921"/>
           </a:xfrm>
           <a:prstGeom prst="bentConnector3">
             <a:avLst>
@@ -26603,7 +26510,7 @@
         </p:nvSpPr>
         <p:spPr>
           <a:xfrm>
-            <a:off x="2649585" y="2777636"/>
+            <a:off x="6244534" y="2814020"/>
             <a:ext cx="1761948" cy="376368"/>
           </a:xfrm>
           <a:prstGeom prst="roundRect">
@@ -26658,9 +26565,9 @@
           <p:nvPr/>
         </p:nvCxnSpPr>
         <p:spPr>
-          <a:xfrm rot="5400000">
-            <a:off x="4434738" y="1181050"/>
-            <a:ext cx="692408" cy="2500765"/>
+          <a:xfrm rot="16200000" flipH="1">
+            <a:off x="6206346" y="1894858"/>
+            <a:ext cx="744140" cy="1094184"/>
           </a:xfrm>
           <a:prstGeom prst="bentConnector3">
             <a:avLst>
@@ -26706,13 +26613,13 @@
           <p:nvPr/>
         </p:nvCxnSpPr>
         <p:spPr>
-          <a:xfrm rot="16200000" flipH="1">
-            <a:off x="3890595" y="2793967"/>
-            <a:ext cx="2179322" cy="2899395"/>
+          <a:xfrm rot="5400000">
+            <a:off x="5328507" y="3956293"/>
+            <a:ext cx="2562906" cy="1031096"/>
           </a:xfrm>
           <a:prstGeom prst="bentConnector3">
             <a:avLst>
-              <a:gd name="adj1" fmla="val 50000"/>
+              <a:gd name="adj1" fmla="val 36323"/>
             </a:avLst>
           </a:prstGeom>
           <a:ln w="12700">
@@ -26751,7 +26658,7 @@
         </p:nvSpPr>
         <p:spPr>
           <a:xfrm>
-            <a:off x="1027389" y="3969013"/>
+            <a:off x="195073" y="4330918"/>
             <a:ext cx="1761948" cy="376368"/>
           </a:xfrm>
           <a:prstGeom prst="roundRect">
@@ -26806,9 +26713,9 @@
           <p:nvPr/>
         </p:nvCxnSpPr>
         <p:spPr>
-          <a:xfrm rot="16200000" flipH="1">
-            <a:off x="1203679" y="3264328"/>
-            <a:ext cx="815009" cy="594360"/>
+          <a:xfrm rot="5400000">
+            <a:off x="510960" y="3755475"/>
+            <a:ext cx="1140530" cy="10356"/>
           </a:xfrm>
           <a:prstGeom prst="bentConnector3">
             <a:avLst>
@@ -26851,7 +26758,7 @@
         </p:nvSpPr>
         <p:spPr>
           <a:xfrm>
-            <a:off x="4866141" y="2777636"/>
+            <a:off x="4231499" y="2814020"/>
             <a:ext cx="1761948" cy="376368"/>
           </a:xfrm>
           <a:prstGeom prst="roundRect">
@@ -26903,7 +26810,7 @@
         </p:nvSpPr>
         <p:spPr>
           <a:xfrm>
-            <a:off x="7082697" y="2777636"/>
+            <a:off x="2218464" y="2814020"/>
             <a:ext cx="1761948" cy="376368"/>
           </a:xfrm>
           <a:prstGeom prst="roundRect">
@@ -26936,7 +26843,7 @@
                   <a:schemeClr val="bg1"/>
                 </a:solidFill>
               </a:rPr>
-              <a:t>transfer-internal</a:t>
+              <a:t>transfer</a:t>
             </a:r>
           </a:p>
         </p:txBody>
@@ -26959,8 +26866,8 @@
         </p:nvCxnSpPr>
         <p:spPr>
           <a:xfrm rot="5400000">
-            <a:off x="5543016" y="2289328"/>
-            <a:ext cx="692408" cy="284209"/>
+            <a:off x="5199829" y="1982525"/>
+            <a:ext cx="744140" cy="918851"/>
           </a:xfrm>
           <a:prstGeom prst="bentConnector3">
             <a:avLst>
@@ -27007,12 +26914,12 @@
         </p:nvCxnSpPr>
         <p:spPr>
           <a:xfrm rot="16200000" flipH="1">
-            <a:off x="4998873" y="3902245"/>
-            <a:ext cx="2179322" cy="682839"/>
+            <a:off x="4321989" y="3980871"/>
+            <a:ext cx="2562906" cy="981939"/>
           </a:xfrm>
           <a:prstGeom prst="bentConnector3">
             <a:avLst>
-              <a:gd name="adj1" fmla="val 50000"/>
+              <a:gd name="adj1" fmla="val 36323"/>
             </a:avLst>
           </a:prstGeom>
           <a:ln w="12700">
@@ -27054,9 +26961,9 @@
           <p:nvPr/>
         </p:nvCxnSpPr>
         <p:spPr>
-          <a:xfrm rot="16200000" flipH="1">
-            <a:off x="6651293" y="1465258"/>
-            <a:ext cx="692408" cy="1932347"/>
+          <a:xfrm rot="5400000">
+            <a:off x="4193311" y="976007"/>
+            <a:ext cx="744140" cy="2931886"/>
           </a:xfrm>
           <a:prstGeom prst="bentConnector3">
             <a:avLst>
@@ -27099,7 +27006,7 @@
         </p:nvSpPr>
         <p:spPr>
           <a:xfrm>
-            <a:off x="9299253" y="2777636"/>
+            <a:off x="3304927" y="5049732"/>
             <a:ext cx="1761948" cy="376368"/>
           </a:xfrm>
           <a:prstGeom prst="roundRect">
@@ -27148,19 +27055,19 @@
           </p:cNvPr>
           <p:cNvCxnSpPr>
             <a:cxnSpLocks/>
-            <a:stCxn id="26" idx="2"/>
+            <a:stCxn id="60" idx="2"/>
             <a:endCxn id="75" idx="0"/>
           </p:cNvCxnSpPr>
           <p:nvPr/>
         </p:nvCxnSpPr>
         <p:spPr>
           <a:xfrm rot="16200000" flipH="1">
-            <a:off x="7759571" y="356980"/>
-            <a:ext cx="692408" cy="4148903"/>
+            <a:off x="2712997" y="3576828"/>
+            <a:ext cx="1859344" cy="1086463"/>
           </a:xfrm>
           <a:prstGeom prst="bentConnector3">
             <a:avLst>
-              <a:gd name="adj1" fmla="val 50000"/>
+              <a:gd name="adj1" fmla="val 77048"/>
             </a:avLst>
           </a:prstGeom>
           <a:ln w="12700">
@@ -27202,9 +27109,9 @@
           <p:nvPr/>
         </p:nvCxnSpPr>
         <p:spPr>
-          <a:xfrm rot="5400000">
-            <a:off x="7215430" y="2368529"/>
-            <a:ext cx="2179322" cy="3750273"/>
+          <a:xfrm rot="16200000" flipH="1">
+            <a:off x="4976559" y="4635441"/>
+            <a:ext cx="327194" cy="1908511"/>
           </a:xfrm>
           <a:prstGeom prst="bentConnector3">
             <a:avLst>
@@ -27247,7 +27154,7 @@
         </p:nvSpPr>
         <p:spPr>
           <a:xfrm>
-            <a:off x="540655" y="1082035"/>
+            <a:off x="9245699" y="3703721"/>
             <a:ext cx="1761948" cy="376368"/>
           </a:xfrm>
           <a:prstGeom prst="roundRect">
@@ -27299,7 +27206,7 @@
         </p:nvSpPr>
         <p:spPr>
           <a:xfrm>
-            <a:off x="540655" y="529113"/>
+            <a:off x="1794784" y="1693512"/>
             <a:ext cx="1761948" cy="376368"/>
           </a:xfrm>
           <a:prstGeom prst="roundRect">
@@ -27351,7 +27258,7 @@
         </p:nvSpPr>
         <p:spPr>
           <a:xfrm>
-            <a:off x="566591" y="1646587"/>
+            <a:off x="8257569" y="2814020"/>
             <a:ext cx="1761948" cy="376368"/>
           </a:xfrm>
           <a:prstGeom prst="roundRect">
@@ -27403,7 +27310,7 @@
         </p:nvSpPr>
         <p:spPr>
           <a:xfrm>
-            <a:off x="540655" y="477"/>
+            <a:off x="10270604" y="2814020"/>
             <a:ext cx="1761948" cy="376368"/>
           </a:xfrm>
           <a:prstGeom prst="roundRect">
@@ -27455,7 +27362,7 @@
         </p:nvSpPr>
         <p:spPr>
           <a:xfrm>
-            <a:off x="2649584" y="477"/>
+            <a:off x="1181178" y="3705766"/>
             <a:ext cx="1761948" cy="376368"/>
           </a:xfrm>
           <a:prstGeom prst="roundRect">
@@ -27493,6 +27400,684 @@
           </a:p>
         </p:txBody>
       </p:sp>
+      <p:sp>
+        <p:nvSpPr>
+          <p:cNvPr id="87" name="Rounded Rectangle 86">
+            <a:extLst>
+              <a:ext uri="{FF2B5EF4-FFF2-40B4-BE49-F238E27FC236}">
+                <a16:creationId xmlns:a16="http://schemas.microsoft.com/office/drawing/2014/main" id="{12FABB61-DF0D-55F9-22C6-6D0DF82B3A61}"/>
+              </a:ext>
+            </a:extLst>
+          </p:cNvPr>
+          <p:cNvSpPr/>
+          <p:nvPr/>
+        </p:nvSpPr>
+        <p:spPr>
+          <a:xfrm>
+            <a:off x="10219848" y="137937"/>
+            <a:ext cx="1761948" cy="376368"/>
+          </a:xfrm>
+          <a:prstGeom prst="roundRect">
+            <a:avLst/>
+          </a:prstGeom>
+          <a:ln/>
+        </p:spPr>
+        <p:style>
+          <a:lnRef idx="3">
+            <a:schemeClr val="lt1"/>
+          </a:lnRef>
+          <a:fillRef idx="1">
+            <a:schemeClr val="dk1"/>
+          </a:fillRef>
+          <a:effectRef idx="1">
+            <a:schemeClr val="dk1"/>
+          </a:effectRef>
+          <a:fontRef idx="minor">
+            <a:schemeClr val="lt1"/>
+          </a:fontRef>
+        </p:style>
+        <p:txBody>
+          <a:bodyPr rtlCol="0" anchor="ctr"/>
+          <a:lstStyle/>
+          <a:p>
+            <a:pPr algn="ctr"/>
+            <a:r>
+              <a:rPr lang="en-FR" sz="1200" dirty="0">
+                <a:solidFill>
+                  <a:schemeClr val="bg1"/>
+                </a:solidFill>
+              </a:rPr>
+              <a:t>future: trading</a:t>
+            </a:r>
+          </a:p>
+        </p:txBody>
+      </p:sp>
+      <p:cxnSp>
+        <p:nvCxnSpPr>
+          <p:cNvPr id="106" name="Elbow Connector 105">
+            <a:extLst>
+              <a:ext uri="{FF2B5EF4-FFF2-40B4-BE49-F238E27FC236}">
+                <a16:creationId xmlns:a16="http://schemas.microsoft.com/office/drawing/2014/main" id="{2AA79929-E0D9-76E5-AAD1-148BC61643E8}"/>
+              </a:ext>
+            </a:extLst>
+          </p:cNvPr>
+          <p:cNvCxnSpPr>
+            <a:cxnSpLocks/>
+            <a:stCxn id="26" idx="2"/>
+            <a:endCxn id="86" idx="0"/>
+          </p:cNvCxnSpPr>
+          <p:nvPr/>
+        </p:nvCxnSpPr>
+        <p:spPr>
+          <a:xfrm rot="5400000">
+            <a:off x="3228795" y="903237"/>
+            <a:ext cx="1635886" cy="3969172"/>
+          </a:xfrm>
+          <a:prstGeom prst="bentConnector3">
+            <a:avLst>
+              <a:gd name="adj1" fmla="val 22983"/>
+            </a:avLst>
+          </a:prstGeom>
+          <a:ln w="12700">
+            <a:solidFill>
+              <a:schemeClr val="bg1"/>
+            </a:solidFill>
+            <a:tailEnd type="triangle"/>
+          </a:ln>
+        </p:spPr>
+        <p:style>
+          <a:lnRef idx="1">
+            <a:schemeClr val="accent1"/>
+          </a:lnRef>
+          <a:fillRef idx="0">
+            <a:schemeClr val="accent1"/>
+          </a:fillRef>
+          <a:effectRef idx="0">
+            <a:schemeClr val="accent1"/>
+          </a:effectRef>
+          <a:fontRef idx="minor">
+            <a:schemeClr val="tx1"/>
+          </a:fontRef>
+        </p:style>
+      </p:cxnSp>
+      <p:cxnSp>
+        <p:nvCxnSpPr>
+          <p:cNvPr id="111" name="Elbow Connector 110">
+            <a:extLst>
+              <a:ext uri="{FF2B5EF4-FFF2-40B4-BE49-F238E27FC236}">
+                <a16:creationId xmlns:a16="http://schemas.microsoft.com/office/drawing/2014/main" id="{ABBE54B9-9D81-9B7B-78A9-19D0CFF1EB45}"/>
+              </a:ext>
+            </a:extLst>
+          </p:cNvPr>
+          <p:cNvCxnSpPr>
+            <a:cxnSpLocks/>
+            <a:stCxn id="9" idx="2"/>
+            <a:endCxn id="83" idx="0"/>
+          </p:cNvCxnSpPr>
+          <p:nvPr/>
+        </p:nvCxnSpPr>
+        <p:spPr>
+          <a:xfrm rot="5400000">
+            <a:off x="2875528" y="729871"/>
+            <a:ext cx="763872" cy="1163411"/>
+          </a:xfrm>
+          <a:prstGeom prst="bentConnector3">
+            <a:avLst>
+              <a:gd name="adj1" fmla="val 50000"/>
+            </a:avLst>
+          </a:prstGeom>
+          <a:ln w="12700">
+            <a:solidFill>
+              <a:schemeClr val="bg1"/>
+            </a:solidFill>
+            <a:tailEnd type="triangle"/>
+          </a:ln>
+        </p:spPr>
+        <p:style>
+          <a:lnRef idx="1">
+            <a:schemeClr val="accent1"/>
+          </a:lnRef>
+          <a:fillRef idx="0">
+            <a:schemeClr val="accent1"/>
+          </a:fillRef>
+          <a:effectRef idx="0">
+            <a:schemeClr val="accent1"/>
+          </a:effectRef>
+          <a:fontRef idx="minor">
+            <a:schemeClr val="tx1"/>
+          </a:fontRef>
+        </p:style>
+      </p:cxnSp>
+      <p:cxnSp>
+        <p:nvCxnSpPr>
+          <p:cNvPr id="114" name="Elbow Connector 113">
+            <a:extLst>
+              <a:ext uri="{FF2B5EF4-FFF2-40B4-BE49-F238E27FC236}">
+                <a16:creationId xmlns:a16="http://schemas.microsoft.com/office/drawing/2014/main" id="{DEC29FB1-E384-BCB9-F718-5FB5BD12B83D}"/>
+              </a:ext>
+            </a:extLst>
+          </p:cNvPr>
+          <p:cNvCxnSpPr>
+            <a:cxnSpLocks/>
+            <a:stCxn id="8" idx="2"/>
+            <a:endCxn id="83" idx="0"/>
+          </p:cNvCxnSpPr>
+          <p:nvPr/>
+        </p:nvCxnSpPr>
+        <p:spPr>
+          <a:xfrm rot="5400000">
+            <a:off x="3971605" y="-366207"/>
+            <a:ext cx="763872" cy="3355566"/>
+          </a:xfrm>
+          <a:prstGeom prst="bentConnector3">
+            <a:avLst>
+              <a:gd name="adj1" fmla="val 50000"/>
+            </a:avLst>
+          </a:prstGeom>
+          <a:ln w="12700">
+            <a:solidFill>
+              <a:schemeClr val="bg1"/>
+            </a:solidFill>
+            <a:tailEnd type="triangle"/>
+          </a:ln>
+        </p:spPr>
+        <p:style>
+          <a:lnRef idx="1">
+            <a:schemeClr val="accent1"/>
+          </a:lnRef>
+          <a:fillRef idx="0">
+            <a:schemeClr val="accent1"/>
+          </a:fillRef>
+          <a:effectRef idx="0">
+            <a:schemeClr val="accent1"/>
+          </a:effectRef>
+          <a:fontRef idx="minor">
+            <a:schemeClr val="tx1"/>
+          </a:fontRef>
+        </p:style>
+      </p:cxnSp>
+      <p:cxnSp>
+        <p:nvCxnSpPr>
+          <p:cNvPr id="117" name="Elbow Connector 116">
+            <a:extLst>
+              <a:ext uri="{FF2B5EF4-FFF2-40B4-BE49-F238E27FC236}">
+                <a16:creationId xmlns:a16="http://schemas.microsoft.com/office/drawing/2014/main" id="{34004FFC-FDF1-D7DD-FA9E-3148B672FE70}"/>
+              </a:ext>
+            </a:extLst>
+          </p:cNvPr>
+          <p:cNvCxnSpPr>
+            <a:cxnSpLocks/>
+            <a:stCxn id="10" idx="2"/>
+            <a:endCxn id="83" idx="0"/>
+          </p:cNvCxnSpPr>
+          <p:nvPr/>
+        </p:nvCxnSpPr>
+        <p:spPr>
+          <a:xfrm rot="5400000">
+            <a:off x="5061124" y="-1468845"/>
+            <a:ext cx="776991" cy="5547722"/>
+          </a:xfrm>
+          <a:prstGeom prst="bentConnector3">
+            <a:avLst>
+              <a:gd name="adj1" fmla="val 50000"/>
+            </a:avLst>
+          </a:prstGeom>
+          <a:ln w="12700">
+            <a:solidFill>
+              <a:schemeClr val="bg1"/>
+            </a:solidFill>
+            <a:tailEnd type="triangle"/>
+          </a:ln>
+        </p:spPr>
+        <p:style>
+          <a:lnRef idx="1">
+            <a:schemeClr val="accent1"/>
+          </a:lnRef>
+          <a:fillRef idx="0">
+            <a:schemeClr val="accent1"/>
+          </a:fillRef>
+          <a:effectRef idx="0">
+            <a:schemeClr val="accent1"/>
+          </a:effectRef>
+          <a:fontRef idx="minor">
+            <a:schemeClr val="tx1"/>
+          </a:fontRef>
+        </p:style>
+      </p:cxnSp>
+      <p:sp>
+        <p:nvSpPr>
+          <p:cNvPr id="127" name="Rounded Rectangle 126">
+            <a:extLst>
+              <a:ext uri="{FF2B5EF4-FFF2-40B4-BE49-F238E27FC236}">
+                <a16:creationId xmlns:a16="http://schemas.microsoft.com/office/drawing/2014/main" id="{5B4F9435-3C2F-9EB0-52B2-314A6893EA0A}"/>
+              </a:ext>
+            </a:extLst>
+          </p:cNvPr>
+          <p:cNvSpPr/>
+          <p:nvPr/>
+        </p:nvSpPr>
+        <p:spPr>
+          <a:xfrm>
+            <a:off x="1306154" y="5049730"/>
+            <a:ext cx="1761948" cy="376368"/>
+          </a:xfrm>
+          <a:prstGeom prst="roundRect">
+            <a:avLst/>
+          </a:prstGeom>
+          <a:ln/>
+        </p:spPr>
+        <p:style>
+          <a:lnRef idx="3">
+            <a:schemeClr val="lt1"/>
+          </a:lnRef>
+          <a:fillRef idx="1">
+            <a:schemeClr val="dk1"/>
+          </a:fillRef>
+          <a:effectRef idx="1">
+            <a:schemeClr val="dk1"/>
+          </a:effectRef>
+          <a:fontRef idx="minor">
+            <a:schemeClr val="lt1"/>
+          </a:fontRef>
+        </p:style>
+        <p:txBody>
+          <a:bodyPr rtlCol="0" anchor="ctr"/>
+          <a:lstStyle/>
+          <a:p>
+            <a:pPr algn="ctr"/>
+            <a:r>
+              <a:rPr lang="en-FR" sz="1200" dirty="0">
+                <a:solidFill>
+                  <a:schemeClr val="bg1"/>
+                </a:solidFill>
+              </a:rPr>
+              <a:t>transfer-internal</a:t>
+            </a:r>
+          </a:p>
+        </p:txBody>
+      </p:sp>
+      <p:cxnSp>
+        <p:nvCxnSpPr>
+          <p:cNvPr id="131" name="Elbow Connector 130">
+            <a:extLst>
+              <a:ext uri="{FF2B5EF4-FFF2-40B4-BE49-F238E27FC236}">
+                <a16:creationId xmlns:a16="http://schemas.microsoft.com/office/drawing/2014/main" id="{1963BC67-3337-E927-058A-934BBC7AC42B}"/>
+              </a:ext>
+            </a:extLst>
+          </p:cNvPr>
+          <p:cNvCxnSpPr>
+            <a:cxnSpLocks/>
+            <a:stCxn id="60" idx="2"/>
+            <a:endCxn id="127" idx="0"/>
+          </p:cNvCxnSpPr>
+          <p:nvPr/>
+        </p:nvCxnSpPr>
+        <p:spPr>
+          <a:xfrm rot="5400000">
+            <a:off x="1713612" y="3663904"/>
+            <a:ext cx="1859342" cy="912310"/>
+          </a:xfrm>
+          <a:prstGeom prst="bentConnector3">
+            <a:avLst>
+              <a:gd name="adj1" fmla="val 77048"/>
+            </a:avLst>
+          </a:prstGeom>
+          <a:ln w="12700">
+            <a:solidFill>
+              <a:schemeClr val="bg1"/>
+            </a:solidFill>
+            <a:tailEnd type="triangle"/>
+          </a:ln>
+        </p:spPr>
+        <p:style>
+          <a:lnRef idx="1">
+            <a:schemeClr val="accent1"/>
+          </a:lnRef>
+          <a:fillRef idx="0">
+            <a:schemeClr val="accent1"/>
+          </a:fillRef>
+          <a:effectRef idx="0">
+            <a:schemeClr val="accent1"/>
+          </a:effectRef>
+          <a:fontRef idx="minor">
+            <a:schemeClr val="tx1"/>
+          </a:fontRef>
+        </p:style>
+      </p:cxnSp>
+      <p:cxnSp>
+        <p:nvCxnSpPr>
+          <p:cNvPr id="142" name="Elbow Connector 141">
+            <a:extLst>
+              <a:ext uri="{FF2B5EF4-FFF2-40B4-BE49-F238E27FC236}">
+                <a16:creationId xmlns:a16="http://schemas.microsoft.com/office/drawing/2014/main" id="{BF0BB6CD-DBCC-56E4-F2A3-5B910EED3552}"/>
+              </a:ext>
+            </a:extLst>
+          </p:cNvPr>
+          <p:cNvCxnSpPr>
+            <a:cxnSpLocks/>
+            <a:stCxn id="60" idx="1"/>
+            <a:endCxn id="86" idx="0"/>
+          </p:cNvCxnSpPr>
+          <p:nvPr/>
+        </p:nvCxnSpPr>
+        <p:spPr>
+          <a:xfrm rot="10800000" flipV="1">
+            <a:off x="2062152" y="3002204"/>
+            <a:ext cx="156312" cy="703562"/>
+          </a:xfrm>
+          <a:prstGeom prst="bentConnector2">
+            <a:avLst/>
+          </a:prstGeom>
+          <a:ln w="12700">
+            <a:solidFill>
+              <a:schemeClr val="bg1"/>
+            </a:solidFill>
+            <a:tailEnd type="triangle"/>
+          </a:ln>
+        </p:spPr>
+        <p:style>
+          <a:lnRef idx="1">
+            <a:schemeClr val="accent1"/>
+          </a:lnRef>
+          <a:fillRef idx="0">
+            <a:schemeClr val="accent1"/>
+          </a:fillRef>
+          <a:effectRef idx="0">
+            <a:schemeClr val="accent1"/>
+          </a:effectRef>
+          <a:fontRef idx="minor">
+            <a:schemeClr val="tx1"/>
+          </a:fontRef>
+        </p:style>
+      </p:cxnSp>
+      <p:cxnSp>
+        <p:nvCxnSpPr>
+          <p:cNvPr id="147" name="Elbow Connector 146">
+            <a:extLst>
+              <a:ext uri="{FF2B5EF4-FFF2-40B4-BE49-F238E27FC236}">
+                <a16:creationId xmlns:a16="http://schemas.microsoft.com/office/drawing/2014/main" id="{4215852C-4FBC-625A-750F-F673FD61942D}"/>
+              </a:ext>
+            </a:extLst>
+          </p:cNvPr>
+          <p:cNvCxnSpPr>
+            <a:cxnSpLocks/>
+            <a:stCxn id="83" idx="3"/>
+            <a:endCxn id="26" idx="1"/>
+          </p:cNvCxnSpPr>
+          <p:nvPr/>
+        </p:nvCxnSpPr>
+        <p:spPr>
+          <a:xfrm>
+            <a:off x="3556732" y="1881696"/>
+            <a:ext cx="1593618" cy="12700"/>
+          </a:xfrm>
+          <a:prstGeom prst="bentConnector3">
+            <a:avLst>
+              <a:gd name="adj1" fmla="val 50000"/>
+            </a:avLst>
+          </a:prstGeom>
+          <a:ln w="12700">
+            <a:solidFill>
+              <a:schemeClr val="bg1"/>
+            </a:solidFill>
+            <a:tailEnd type="triangle"/>
+          </a:ln>
+        </p:spPr>
+        <p:style>
+          <a:lnRef idx="1">
+            <a:schemeClr val="accent1"/>
+          </a:lnRef>
+          <a:fillRef idx="0">
+            <a:schemeClr val="accent1"/>
+          </a:fillRef>
+          <a:effectRef idx="0">
+            <a:schemeClr val="accent1"/>
+          </a:effectRef>
+          <a:fontRef idx="minor">
+            <a:schemeClr val="tx1"/>
+          </a:fontRef>
+        </p:style>
+      </p:cxnSp>
+      <p:cxnSp>
+        <p:nvCxnSpPr>
+          <p:cNvPr id="172" name="Elbow Connector 171">
+            <a:extLst>
+              <a:ext uri="{FF2B5EF4-FFF2-40B4-BE49-F238E27FC236}">
+                <a16:creationId xmlns:a16="http://schemas.microsoft.com/office/drawing/2014/main" id="{C3507887-3AF6-AFD9-1E52-3C6B10E5BC2C}"/>
+              </a:ext>
+            </a:extLst>
+          </p:cNvPr>
+          <p:cNvCxnSpPr>
+            <a:cxnSpLocks/>
+            <a:stCxn id="26" idx="2"/>
+            <a:endCxn id="82" idx="0"/>
+          </p:cNvCxnSpPr>
+          <p:nvPr/>
+        </p:nvCxnSpPr>
+        <p:spPr>
+          <a:xfrm rot="16200000" flipH="1">
+            <a:off x="7262078" y="839125"/>
+            <a:ext cx="1633841" cy="4095349"/>
+          </a:xfrm>
+          <a:prstGeom prst="bentConnector3">
+            <a:avLst>
+              <a:gd name="adj1" fmla="val 22950"/>
+            </a:avLst>
+          </a:prstGeom>
+          <a:ln w="12700">
+            <a:solidFill>
+              <a:schemeClr val="bg1"/>
+            </a:solidFill>
+            <a:tailEnd type="triangle"/>
+          </a:ln>
+        </p:spPr>
+        <p:style>
+          <a:lnRef idx="1">
+            <a:schemeClr val="accent1"/>
+          </a:lnRef>
+          <a:fillRef idx="0">
+            <a:schemeClr val="accent1"/>
+          </a:fillRef>
+          <a:effectRef idx="0">
+            <a:schemeClr val="accent1"/>
+          </a:effectRef>
+          <a:fontRef idx="minor">
+            <a:schemeClr val="tx1"/>
+          </a:fontRef>
+        </p:style>
+      </p:cxnSp>
+      <p:cxnSp>
+        <p:nvCxnSpPr>
+          <p:cNvPr id="175" name="Elbow Connector 174">
+            <a:extLst>
+              <a:ext uri="{FF2B5EF4-FFF2-40B4-BE49-F238E27FC236}">
+                <a16:creationId xmlns:a16="http://schemas.microsoft.com/office/drawing/2014/main" id="{3D6AD90E-EFF9-964A-8F96-D16743B43474}"/>
+              </a:ext>
+            </a:extLst>
+          </p:cNvPr>
+          <p:cNvCxnSpPr>
+            <a:cxnSpLocks/>
+            <a:stCxn id="26" idx="2"/>
+            <a:endCxn id="84" idx="0"/>
+          </p:cNvCxnSpPr>
+          <p:nvPr/>
+        </p:nvCxnSpPr>
+        <p:spPr>
+          <a:xfrm rot="16200000" flipH="1">
+            <a:off x="7212863" y="888340"/>
+            <a:ext cx="744140" cy="3107219"/>
+          </a:xfrm>
+          <a:prstGeom prst="bentConnector3">
+            <a:avLst>
+              <a:gd name="adj1" fmla="val 50000"/>
+            </a:avLst>
+          </a:prstGeom>
+          <a:ln w="12700">
+            <a:solidFill>
+              <a:schemeClr val="bg1"/>
+            </a:solidFill>
+            <a:tailEnd type="triangle"/>
+          </a:ln>
+        </p:spPr>
+        <p:style>
+          <a:lnRef idx="1">
+            <a:schemeClr val="accent1"/>
+          </a:lnRef>
+          <a:fillRef idx="0">
+            <a:schemeClr val="accent1"/>
+          </a:fillRef>
+          <a:effectRef idx="0">
+            <a:schemeClr val="accent1"/>
+          </a:effectRef>
+          <a:fontRef idx="minor">
+            <a:schemeClr val="tx1"/>
+          </a:fontRef>
+        </p:style>
+      </p:cxnSp>
+      <p:cxnSp>
+        <p:nvCxnSpPr>
+          <p:cNvPr id="183" name="Elbow Connector 182">
+            <a:extLst>
+              <a:ext uri="{FF2B5EF4-FFF2-40B4-BE49-F238E27FC236}">
+                <a16:creationId xmlns:a16="http://schemas.microsoft.com/office/drawing/2014/main" id="{88A7F8E4-EB29-20E1-8F70-2C8C5CD513B0}"/>
+              </a:ext>
+            </a:extLst>
+          </p:cNvPr>
+          <p:cNvCxnSpPr>
+            <a:cxnSpLocks/>
+            <a:stCxn id="26" idx="2"/>
+            <a:endCxn id="85" idx="0"/>
+          </p:cNvCxnSpPr>
+          <p:nvPr/>
+        </p:nvCxnSpPr>
+        <p:spPr>
+          <a:xfrm rot="16200000" flipH="1">
+            <a:off x="8219381" y="-118177"/>
+            <a:ext cx="744140" cy="5120254"/>
+          </a:xfrm>
+          <a:prstGeom prst="bentConnector3">
+            <a:avLst>
+              <a:gd name="adj1" fmla="val 50000"/>
+            </a:avLst>
+          </a:prstGeom>
+          <a:ln w="12700">
+            <a:solidFill>
+              <a:schemeClr val="bg1"/>
+            </a:solidFill>
+            <a:tailEnd type="triangle"/>
+          </a:ln>
+        </p:spPr>
+        <p:style>
+          <a:lnRef idx="1">
+            <a:schemeClr val="accent1"/>
+          </a:lnRef>
+          <a:fillRef idx="0">
+            <a:schemeClr val="accent1"/>
+          </a:fillRef>
+          <a:effectRef idx="0">
+            <a:schemeClr val="accent1"/>
+          </a:effectRef>
+          <a:fontRef idx="minor">
+            <a:schemeClr val="tx1"/>
+          </a:fontRef>
+        </p:style>
+      </p:cxnSp>
+      <p:cxnSp>
+        <p:nvCxnSpPr>
+          <p:cNvPr id="212" name="Elbow Connector 211">
+            <a:extLst>
+              <a:ext uri="{FF2B5EF4-FFF2-40B4-BE49-F238E27FC236}">
+                <a16:creationId xmlns:a16="http://schemas.microsoft.com/office/drawing/2014/main" id="{9B44CBEA-9963-E3A0-CBDA-94E752EF60B2}"/>
+              </a:ext>
+            </a:extLst>
+          </p:cNvPr>
+          <p:cNvCxnSpPr>
+            <a:cxnSpLocks/>
+            <a:stCxn id="84" idx="2"/>
+            <a:endCxn id="82" idx="0"/>
+          </p:cNvCxnSpPr>
+          <p:nvPr/>
+        </p:nvCxnSpPr>
+        <p:spPr>
+          <a:xfrm rot="16200000" flipH="1">
+            <a:off x="9375942" y="2952989"/>
+            <a:ext cx="513333" cy="988130"/>
+          </a:xfrm>
+          <a:prstGeom prst="bentConnector3">
+            <a:avLst>
+              <a:gd name="adj1" fmla="val 50000"/>
+            </a:avLst>
+          </a:prstGeom>
+          <a:ln w="12700">
+            <a:solidFill>
+              <a:schemeClr val="bg1"/>
+            </a:solidFill>
+            <a:tailEnd type="triangle"/>
+          </a:ln>
+        </p:spPr>
+        <p:style>
+          <a:lnRef idx="1">
+            <a:schemeClr val="accent1"/>
+          </a:lnRef>
+          <a:fillRef idx="0">
+            <a:schemeClr val="accent1"/>
+          </a:fillRef>
+          <a:effectRef idx="0">
+            <a:schemeClr val="accent1"/>
+          </a:effectRef>
+          <a:fontRef idx="minor">
+            <a:schemeClr val="tx1"/>
+          </a:fontRef>
+        </p:style>
+      </p:cxnSp>
+      <p:cxnSp>
+        <p:nvCxnSpPr>
+          <p:cNvPr id="215" name="Elbow Connector 214">
+            <a:extLst>
+              <a:ext uri="{FF2B5EF4-FFF2-40B4-BE49-F238E27FC236}">
+                <a16:creationId xmlns:a16="http://schemas.microsoft.com/office/drawing/2014/main" id="{11E1E246-B0D2-2879-C4F6-3EFA96760E16}"/>
+              </a:ext>
+            </a:extLst>
+          </p:cNvPr>
+          <p:cNvCxnSpPr>
+            <a:cxnSpLocks/>
+            <a:stCxn id="85" idx="2"/>
+            <a:endCxn id="82" idx="0"/>
+          </p:cNvCxnSpPr>
+          <p:nvPr/>
+        </p:nvCxnSpPr>
+        <p:spPr>
+          <a:xfrm rot="5400000">
+            <a:off x="10382460" y="2934602"/>
+            <a:ext cx="513333" cy="1024905"/>
+          </a:xfrm>
+          <a:prstGeom prst="bentConnector3">
+            <a:avLst>
+              <a:gd name="adj1" fmla="val 50000"/>
+            </a:avLst>
+          </a:prstGeom>
+          <a:ln w="12700">
+            <a:solidFill>
+              <a:schemeClr val="bg1"/>
+            </a:solidFill>
+            <a:tailEnd type="triangle"/>
+          </a:ln>
+        </p:spPr>
+        <p:style>
+          <a:lnRef idx="1">
+            <a:schemeClr val="accent1"/>
+          </a:lnRef>
+          <a:fillRef idx="0">
+            <a:schemeClr val="accent1"/>
+          </a:fillRef>
+          <a:effectRef idx="0">
+            <a:schemeClr val="accent1"/>
+          </a:effectRef>
+          <a:fontRef idx="minor">
+            <a:schemeClr val="tx1"/>
+          </a:fontRef>
+        </p:style>
+      </p:cxnSp>
     </p:spTree>
     <p:extLst>
       <p:ext uri="{BB962C8B-B14F-4D97-AF65-F5344CB8AC3E}">
@@ -27518,7 +28103,7 @@
 </p:sld>
 </file>
 
-<file path=ppt/slides/slide4.xml><?xml version="1.0" encoding="utf-8"?>
+<file path=ppt/slides/slide3.xml><?xml version="1.0" encoding="utf-8"?>
 <p:sld xmlns:a="http://schemas.openxmlformats.org/drawingml/2006/main" xmlns:r="http://schemas.openxmlformats.org/officeDocument/2006/relationships" xmlns:p="http://schemas.openxmlformats.org/presentationml/2006/main">
   <p:cSld>
     <p:spTree>
@@ -27910,7 +28495,7 @@
 </p:sld>
 </file>
 
-<file path=ppt/slides/slide5.xml><?xml version="1.0" encoding="utf-8"?>
+<file path=ppt/slides/slide4.xml><?xml version="1.0" encoding="utf-8"?>
 <p:sld xmlns:a="http://schemas.openxmlformats.org/drawingml/2006/main" xmlns:r="http://schemas.openxmlformats.org/officeDocument/2006/relationships" xmlns:p="http://schemas.openxmlformats.org/presentationml/2006/main">
   <p:cSld>
     <p:spTree>
@@ -29167,7 +29752,7 @@
 </p:sld>
 </file>
 
-<file path=ppt/slides/slide6.xml><?xml version="1.0" encoding="utf-8"?>
+<file path=ppt/slides/slide5.xml><?xml version="1.0" encoding="utf-8"?>
 <p:sld xmlns:a="http://schemas.openxmlformats.org/drawingml/2006/main" xmlns:r="http://schemas.openxmlformats.org/officeDocument/2006/relationships" xmlns:p="http://schemas.openxmlformats.org/presentationml/2006/main">
   <p:cSld>
     <p:spTree>
@@ -30419,7 +31004,7 @@
 </p:sld>
 </file>
 
-<file path=ppt/slides/slide7.xml><?xml version="1.0" encoding="utf-8"?>
+<file path=ppt/slides/slide6.xml><?xml version="1.0" encoding="utf-8"?>
 <p:sld xmlns:a="http://schemas.openxmlformats.org/drawingml/2006/main" xmlns:r="http://schemas.openxmlformats.org/officeDocument/2006/relationships" xmlns:p="http://schemas.openxmlformats.org/presentationml/2006/main">
   <p:cSld>
     <p:spTree>
